--- a/Sesion_4_Teoria.pptx
+++ b/Sesion_4_Teoria.pptx
@@ -17,9 +17,9 @@
     <p:sldId id="263" r:id="rId8"/>
     <p:sldId id="285" r:id="rId9"/>
     <p:sldId id="264" r:id="rId10"/>
-    <p:sldId id="310" r:id="rId11"/>
-    <p:sldId id="311" r:id="rId12"/>
-    <p:sldId id="288" r:id="rId13"/>
+    <p:sldId id="288" r:id="rId11"/>
+    <p:sldId id="310" r:id="rId12"/>
+    <p:sldId id="311" r:id="rId13"/>
     <p:sldId id="267" r:id="rId14"/>
     <p:sldId id="298" r:id="rId15"/>
     <p:sldId id="286" r:id="rId16"/>
@@ -155,14 +155,6 @@
     </p:ext>
   </p:extLst>
 </p:presentation>
-</file>
-
-<file path=ppt/revisionInfo.xml><?xml version="1.0" encoding="utf-8"?>
-<p1510:revInfo xmlns:a="http://schemas.openxmlformats.org/drawingml/2006/main" xmlns:r="http://schemas.openxmlformats.org/officeDocument/2006/relationships" xmlns:p1510="http://schemas.microsoft.com/office/powerpoint/2015/10/main">
-  <p1510:revLst>
-    <p1510:client id="{81B96BB3-7EF3-4641-8728-A364ABBF598C}" v="74" dt="2021-11-23T14:07:10.640"/>
-  </p1510:revLst>
-</p1510:revInfo>
 </file>
 
 <file path=ppt/changesInfos/changesInfo1.xml><?xml version="1.0" encoding="utf-8"?>
@@ -906,6 +898,45 @@
       </pc:sldChg>
     </pc:docChg>
   </pc:docChgLst>
+  <pc:docChgLst>
+    <pc:chgData name="Mikel Lumbreras" userId="e57255e2-e72e-47e1-86e5-705636f423c9" providerId="ADAL" clId="{FCFC49AC-4CFD-4F4E-BF55-D381B60FC068}"/>
+    <pc:docChg chg="modSld sldOrd">
+      <pc:chgData name="Mikel Lumbreras" userId="e57255e2-e72e-47e1-86e5-705636f423c9" providerId="ADAL" clId="{FCFC49AC-4CFD-4F4E-BF55-D381B60FC068}" dt="2021-11-28T19:31:24.358" v="17" actId="20577"/>
+      <pc:docMkLst>
+        <pc:docMk/>
+      </pc:docMkLst>
+      <pc:sldChg chg="modSp mod">
+        <pc:chgData name="Mikel Lumbreras" userId="e57255e2-e72e-47e1-86e5-705636f423c9" providerId="ADAL" clId="{FCFC49AC-4CFD-4F4E-BF55-D381B60FC068}" dt="2021-11-28T19:31:24.358" v="17" actId="20577"/>
+        <pc:sldMkLst>
+          <pc:docMk/>
+          <pc:sldMk cId="3127136940" sldId="285"/>
+        </pc:sldMkLst>
+        <pc:spChg chg="mod">
+          <ac:chgData name="Mikel Lumbreras" userId="e57255e2-e72e-47e1-86e5-705636f423c9" providerId="ADAL" clId="{FCFC49AC-4CFD-4F4E-BF55-D381B60FC068}" dt="2021-11-28T19:31:24.358" v="17" actId="20577"/>
+          <ac:spMkLst>
+            <pc:docMk/>
+            <pc:sldMk cId="3127136940" sldId="285"/>
+            <ac:spMk id="4" creationId="{57358FC5-0DFC-4396-9893-E446212006B0}"/>
+          </ac:spMkLst>
+        </pc:spChg>
+      </pc:sldChg>
+      <pc:sldChg chg="modSp mod ord">
+        <pc:chgData name="Mikel Lumbreras" userId="e57255e2-e72e-47e1-86e5-705636f423c9" providerId="ADAL" clId="{FCFC49AC-4CFD-4F4E-BF55-D381B60FC068}" dt="2021-11-28T19:29:41.035" v="11" actId="20577"/>
+        <pc:sldMkLst>
+          <pc:docMk/>
+          <pc:sldMk cId="300207621" sldId="288"/>
+        </pc:sldMkLst>
+        <pc:spChg chg="mod">
+          <ac:chgData name="Mikel Lumbreras" userId="e57255e2-e72e-47e1-86e5-705636f423c9" providerId="ADAL" clId="{FCFC49AC-4CFD-4F4E-BF55-D381B60FC068}" dt="2021-11-28T19:29:41.035" v="11" actId="20577"/>
+          <ac:spMkLst>
+            <pc:docMk/>
+            <pc:sldMk cId="300207621" sldId="288"/>
+            <ac:spMk id="2" creationId="{00000000-0000-0000-0000-000000000000}"/>
+          </ac:spMkLst>
+        </pc:spChg>
+      </pc:sldChg>
+    </pc:docChg>
+  </pc:docChgLst>
 </pc:chgInfo>
 </file>
 
@@ -991,7 +1022,7 @@
           <a:p>
             <a:fld id="{D49BC84A-3884-429B-A7E7-0390EDA0EFB2}" type="datetimeFigureOut">
               <a:rPr lang="es-ES" smtClean="0"/>
-              <a:t>23/11/2021</a:t>
+              <a:t>28/11/2021</a:t>
             </a:fld>
             <a:endParaRPr lang="es-ES"/>
           </a:p>
@@ -1389,7 +1420,7 @@
           <a:p>
             <a:fld id="{31A5FAD9-4F41-45A2-94CB-CF6C3F2E165E}" type="datetimeFigureOut">
               <a:rPr lang="en-GB" smtClean="0"/>
-              <a:t>23/11/2021</a:t>
+              <a:t>28/11/2021</a:t>
             </a:fld>
             <a:endParaRPr lang="en-GB"/>
           </a:p>
@@ -1559,7 +1590,7 @@
           <a:p>
             <a:fld id="{31A5FAD9-4F41-45A2-94CB-CF6C3F2E165E}" type="datetimeFigureOut">
               <a:rPr lang="en-GB" smtClean="0"/>
-              <a:t>23/11/2021</a:t>
+              <a:t>28/11/2021</a:t>
             </a:fld>
             <a:endParaRPr lang="en-GB"/>
           </a:p>
@@ -1739,7 +1770,7 @@
           <a:p>
             <a:fld id="{31A5FAD9-4F41-45A2-94CB-CF6C3F2E165E}" type="datetimeFigureOut">
               <a:rPr lang="en-GB" smtClean="0"/>
-              <a:t>23/11/2021</a:t>
+              <a:t>28/11/2021</a:t>
             </a:fld>
             <a:endParaRPr lang="en-GB"/>
           </a:p>
@@ -3258,7 +3289,7 @@
           <a:p>
             <a:fld id="{4A42529D-B5B1-47E1-A19B-037CCFF42894}" type="datetimeFigureOut">
               <a:rPr lang="en-GB" smtClean="0"/>
-              <a:t>23/11/2021</a:t>
+              <a:t>28/11/2021</a:t>
             </a:fld>
             <a:endParaRPr lang="en-GB"/>
           </a:p>
@@ -3436,7 +3467,7 @@
           <a:p>
             <a:fld id="{31A5FAD9-4F41-45A2-94CB-CF6C3F2E165E}" type="datetimeFigureOut">
               <a:rPr lang="en-GB" smtClean="0"/>
-              <a:t>23/11/2021</a:t>
+              <a:t>28/11/2021</a:t>
             </a:fld>
             <a:endParaRPr lang="en-GB"/>
           </a:p>
@@ -3721,7 +3752,7 @@
           <a:p>
             <a:fld id="{4A42529D-B5B1-47E1-A19B-037CCFF42894}" type="datetimeFigureOut">
               <a:rPr lang="en-GB" smtClean="0"/>
-              <a:t>23/11/2021</a:t>
+              <a:t>28/11/2021</a:t>
             </a:fld>
             <a:endParaRPr lang="en-GB"/>
           </a:p>
@@ -3990,7 +4021,7 @@
           <a:p>
             <a:fld id="{4A42529D-B5B1-47E1-A19B-037CCFF42894}" type="datetimeFigureOut">
               <a:rPr lang="en-GB" smtClean="0"/>
-              <a:t>23/11/2021</a:t>
+              <a:t>28/11/2021</a:t>
             </a:fld>
             <a:endParaRPr lang="en-GB"/>
           </a:p>
@@ -4176,7 +4207,7 @@
           <a:p>
             <a:fld id="{4A42529D-B5B1-47E1-A19B-037CCFF42894}" type="datetimeFigureOut">
               <a:rPr lang="en-GB" smtClean="0"/>
-              <a:t>23/11/2021</a:t>
+              <a:t>28/11/2021</a:t>
             </a:fld>
             <a:endParaRPr lang="en-GB"/>
           </a:p>
@@ -4372,7 +4403,7 @@
           <a:p>
             <a:fld id="{4A42529D-B5B1-47E1-A19B-037CCFF42894}" type="datetimeFigureOut">
               <a:rPr lang="en-GB" smtClean="0"/>
-              <a:t>23/11/2021</a:t>
+              <a:t>28/11/2021</a:t>
             </a:fld>
             <a:endParaRPr lang="en-GB"/>
           </a:p>
@@ -4626,7 +4657,7 @@
           <a:p>
             <a:fld id="{31A5FAD9-4F41-45A2-94CB-CF6C3F2E165E}" type="datetimeFigureOut">
               <a:rPr lang="en-GB" smtClean="0"/>
-              <a:t>23/11/2021</a:t>
+              <a:t>28/11/2021</a:t>
             </a:fld>
             <a:endParaRPr lang="en-GB"/>
           </a:p>
@@ -4858,7 +4889,7 @@
           <a:p>
             <a:fld id="{31A5FAD9-4F41-45A2-94CB-CF6C3F2E165E}" type="datetimeFigureOut">
               <a:rPr lang="en-GB" smtClean="0"/>
-              <a:t>23/11/2021</a:t>
+              <a:t>28/11/2021</a:t>
             </a:fld>
             <a:endParaRPr lang="en-GB"/>
           </a:p>
@@ -5225,7 +5256,7 @@
           <a:p>
             <a:fld id="{31A5FAD9-4F41-45A2-94CB-CF6C3F2E165E}" type="datetimeFigureOut">
               <a:rPr lang="en-GB" smtClean="0"/>
-              <a:t>23/11/2021</a:t>
+              <a:t>28/11/2021</a:t>
             </a:fld>
             <a:endParaRPr lang="en-GB"/>
           </a:p>
@@ -5343,7 +5374,7 @@
           <a:p>
             <a:fld id="{31A5FAD9-4F41-45A2-94CB-CF6C3F2E165E}" type="datetimeFigureOut">
               <a:rPr lang="en-GB" smtClean="0"/>
-              <a:t>23/11/2021</a:t>
+              <a:t>28/11/2021</a:t>
             </a:fld>
             <a:endParaRPr lang="en-GB"/>
           </a:p>
@@ -5438,7 +5469,7 @@
           <a:p>
             <a:fld id="{31A5FAD9-4F41-45A2-94CB-CF6C3F2E165E}" type="datetimeFigureOut">
               <a:rPr lang="en-GB" smtClean="0"/>
-              <a:t>23/11/2021</a:t>
+              <a:t>28/11/2021</a:t>
             </a:fld>
             <a:endParaRPr lang="en-GB"/>
           </a:p>
@@ -5715,7 +5746,7 @@
           <a:p>
             <a:fld id="{31A5FAD9-4F41-45A2-94CB-CF6C3F2E165E}" type="datetimeFigureOut">
               <a:rPr lang="en-GB" smtClean="0"/>
-              <a:t>23/11/2021</a:t>
+              <a:t>28/11/2021</a:t>
             </a:fld>
             <a:endParaRPr lang="en-GB"/>
           </a:p>
@@ -5968,7 +5999,7 @@
           <a:p>
             <a:fld id="{31A5FAD9-4F41-45A2-94CB-CF6C3F2E165E}" type="datetimeFigureOut">
               <a:rPr lang="en-GB" smtClean="0"/>
-              <a:t>23/11/2021</a:t>
+              <a:t>28/11/2021</a:t>
             </a:fld>
             <a:endParaRPr lang="en-GB"/>
           </a:p>
@@ -6181,7 +6212,7 @@
           <a:p>
             <a:fld id="{31A5FAD9-4F41-45A2-94CB-CF6C3F2E165E}" type="datetimeFigureOut">
               <a:rPr lang="en-GB" smtClean="0"/>
-              <a:t>23/11/2021</a:t>
+              <a:t>28/11/2021</a:t>
             </a:fld>
             <a:endParaRPr lang="en-GB"/>
           </a:p>
@@ -7226,7 +7257,7 @@
           <p:cNvPr id="3" name="Content Placeholder 2">
             <a:extLst>
               <a:ext uri="{FF2B5EF4-FFF2-40B4-BE49-F238E27FC236}">
-                <a16:creationId xmlns:a16="http://schemas.microsoft.com/office/drawing/2014/main" id="{0B271636-AD7D-40A9-B0C5-6E36E0585951}"/>
+                <a16:creationId xmlns:a16="http://schemas.microsoft.com/office/drawing/2014/main" id="{7DF18251-5429-4362-85E0-B1E46ADC4890}"/>
               </a:ext>
             </a:extLst>
           </p:cNvPr>
@@ -7244,139 +7275,16 @@
           <a:p>
             <a:r>
               <a:rPr lang="es-ES" dirty="0"/>
-              <a:t>“</a:t>
-            </a:r>
-            <a:r>
-              <a:rPr lang="es-ES" i="0" dirty="0">
-                <a:solidFill>
-                  <a:srgbClr val="2C2C2C"/>
-                </a:solidFill>
-                <a:effectLst/>
-              </a:rPr>
-              <a:t>El </a:t>
-            </a:r>
-            <a:r>
-              <a:rPr lang="es-ES" i="1" dirty="0">
-                <a:solidFill>
-                  <a:srgbClr val="2C2C2C"/>
-                </a:solidFill>
-                <a:effectLst/>
-              </a:rPr>
-              <a:t>Machine Learning</a:t>
-            </a:r>
-            <a:r>
-              <a:rPr lang="es-ES" i="0" dirty="0">
-                <a:solidFill>
-                  <a:srgbClr val="2C2C2C"/>
-                </a:solidFill>
-                <a:effectLst/>
-              </a:rPr>
-              <a:t> es una disciplina del campo de la </a:t>
-            </a:r>
-            <a:r>
-              <a:rPr lang="es-ES" i="0" u="none" strike="noStrike" dirty="0">
-                <a:solidFill>
-                  <a:srgbClr val="0D7CBF"/>
-                </a:solidFill>
-                <a:effectLst/>
-                <a:hlinkClick r:id="rId2"/>
-              </a:rPr>
-              <a:t>Inteligencia Artificial</a:t>
-            </a:r>
-            <a:r>
-              <a:rPr lang="es-ES" i="0" dirty="0">
-                <a:solidFill>
-                  <a:srgbClr val="2C2C2C"/>
-                </a:solidFill>
-                <a:effectLst/>
-              </a:rPr>
-              <a:t> que, a través de </a:t>
-            </a:r>
-            <a:r>
-              <a:rPr lang="es-ES" i="0" dirty="0">
-                <a:solidFill>
-                  <a:srgbClr val="CF4900"/>
-                </a:solidFill>
-                <a:effectLst/>
-              </a:rPr>
-              <a:t>algoritmos,</a:t>
-            </a:r>
-            <a:r>
-              <a:rPr lang="es-ES" i="0" dirty="0">
-                <a:solidFill>
-                  <a:srgbClr val="2C2C2C"/>
-                </a:solidFill>
-                <a:effectLst/>
-              </a:rPr>
-              <a:t> dota a los ordenadores de la capacidad de identificar patrones en datos masivos y elaborar predicciones (</a:t>
-            </a:r>
-            <a:r>
-              <a:rPr lang="es-ES" i="0" u="none" strike="noStrike" dirty="0">
-                <a:solidFill>
-                  <a:srgbClr val="0D7CBF"/>
-                </a:solidFill>
-                <a:effectLst/>
-                <a:hlinkClick r:id="rId3"/>
-              </a:rPr>
-              <a:t>análisis predictivo</a:t>
-            </a:r>
-            <a:r>
-              <a:rPr lang="es-ES" i="0" dirty="0">
-                <a:solidFill>
-                  <a:srgbClr val="2C2C2C"/>
-                </a:solidFill>
-                <a:effectLst/>
-              </a:rPr>
-              <a:t>)”</a:t>
-            </a:r>
-          </a:p>
-          <a:p>
-            <a:pPr marL="0" indent="0">
-              <a:buNone/>
-            </a:pPr>
-            <a:r>
-              <a:rPr lang="es-ES" dirty="0">
-                <a:solidFill>
-                  <a:srgbClr val="2C2C2C"/>
-                </a:solidFill>
-              </a:rPr>
-              <a:t>Fuente: Iberdrola: </a:t>
-            </a:r>
-            <a:r>
-              <a:rPr lang="es-ES" sz="1600" dirty="0">
-                <a:solidFill>
-                  <a:srgbClr val="2C2C2C"/>
-                </a:solidFill>
-                <a:hlinkClick r:id="rId4"/>
-              </a:rPr>
-              <a:t>https://www.iberdrola.com/</a:t>
-            </a:r>
-            <a:r>
-              <a:rPr lang="es-ES" sz="1600" dirty="0" err="1">
-                <a:solidFill>
-                  <a:srgbClr val="2C2C2C"/>
-                </a:solidFill>
-                <a:hlinkClick r:id="rId4"/>
-              </a:rPr>
-              <a:t>innovacion</a:t>
-            </a:r>
-            <a:r>
-              <a:rPr lang="es-ES" sz="1600" dirty="0">
-                <a:solidFill>
-                  <a:srgbClr val="2C2C2C"/>
-                </a:solidFill>
-                <a:hlinkClick r:id="rId4"/>
-              </a:rPr>
-              <a:t>/machine-learning-aprendizaje-automático</a:t>
-            </a:r>
-            <a:r>
-              <a:rPr lang="es-ES" sz="1600" dirty="0">
-                <a:solidFill>
-                  <a:srgbClr val="2C2C2C"/>
-                </a:solidFill>
-              </a:rPr>
-              <a:t> </a:t>
-            </a:r>
+              <a:t>Modelos de aprendizaje automático</a:t>
+            </a:r>
+          </a:p>
+          <a:p>
+            <a:r>
+              <a:rPr lang="es-ES" dirty="0"/>
+              <a:t>Modelos matemáticos que se alimentan de datos para “aprender” el comportamiento de las variables objetivo</a:t>
+            </a:r>
+          </a:p>
+          <a:p>
             <a:endParaRPr lang="es-ES" dirty="0"/>
           </a:p>
         </p:txBody>
@@ -7386,7 +7294,7 @@
           <p:cNvPr id="4" name="Título 1">
             <a:extLst>
               <a:ext uri="{FF2B5EF4-FFF2-40B4-BE49-F238E27FC236}">
-                <a16:creationId xmlns:a16="http://schemas.microsoft.com/office/drawing/2014/main" id="{8A069EF8-271E-48B3-8A0C-080D9CB06CDD}"/>
+                <a16:creationId xmlns:a16="http://schemas.microsoft.com/office/drawing/2014/main" id="{516D2DB9-337E-48B3-A910-7FDE706EAF15}"/>
               </a:ext>
             </a:extLst>
           </p:cNvPr>
@@ -7414,10 +7322,57 @@
           </a:p>
         </p:txBody>
       </p:sp>
+      <p:pic>
+        <p:nvPicPr>
+          <p:cNvPr id="2050" name="Picture 2" descr="Que es el Machine Learning ? Te lo contamos todo | Marketing Digital">
+            <a:extLst>
+              <a:ext uri="{FF2B5EF4-FFF2-40B4-BE49-F238E27FC236}">
+                <a16:creationId xmlns:a16="http://schemas.microsoft.com/office/drawing/2014/main" id="{1FF11C5D-A6B1-4DC1-84EC-A38C94A566B2}"/>
+              </a:ext>
+            </a:extLst>
+          </p:cNvPr>
+          <p:cNvPicPr>
+            <a:picLocks noChangeAspect="1" noChangeArrowheads="1"/>
+          </p:cNvPicPr>
+          <p:nvPr/>
+        </p:nvPicPr>
+        <p:blipFill>
+          <a:blip r:embed="rId2">
+            <a:extLst>
+              <a:ext uri="{28A0092B-C50C-407E-A947-70E740481C1C}">
+                <a14:useLocalDpi xmlns:a14="http://schemas.microsoft.com/office/drawing/2010/main" val="0"/>
+              </a:ext>
+            </a:extLst>
+          </a:blip>
+          <a:srcRect/>
+          <a:stretch>
+            <a:fillRect/>
+          </a:stretch>
+        </p:blipFill>
+        <p:spPr bwMode="auto">
+          <a:xfrm>
+            <a:off x="3121891" y="3497262"/>
+            <a:ext cx="7416800" cy="3360738"/>
+          </a:xfrm>
+          <a:prstGeom prst="rect">
+            <a:avLst/>
+          </a:prstGeom>
+          <a:noFill/>
+          <a:extLst>
+            <a:ext uri="{909E8E84-426E-40DD-AFC4-6F175D3DCCD1}">
+              <a14:hiddenFill xmlns:a14="http://schemas.microsoft.com/office/drawing/2010/main">
+                <a:solidFill>
+                  <a:srgbClr val="FFFFFF"/>
+                </a:solidFill>
+              </a14:hiddenFill>
+            </a:ext>
+          </a:extLst>
+        </p:spPr>
+      </p:pic>
     </p:spTree>
     <p:extLst>
       <p:ext uri="{BB962C8B-B14F-4D97-AF65-F5344CB8AC3E}">
-        <p14:creationId xmlns:p14="http://schemas.microsoft.com/office/powerpoint/2010/main" val="1808727453"/>
+        <p14:creationId xmlns:p14="http://schemas.microsoft.com/office/powerpoint/2010/main" val="2189653242"/>
       </p:ext>
     </p:extLst>
   </p:cSld>
@@ -7446,129 +7401,201 @@
       </p:grpSpPr>
       <p:sp>
         <p:nvSpPr>
-          <p:cNvPr id="2" name="Título 1"/>
-          <p:cNvSpPr>
-            <a:spLocks noGrp="1"/>
-          </p:cNvSpPr>
-          <p:nvPr>
-            <p:ph type="title"/>
-          </p:nvPr>
-        </p:nvSpPr>
-        <p:spPr/>
-        <p:txBody>
-          <a:bodyPr/>
-          <a:lstStyle/>
-          <a:p>
-            <a:r>
-              <a:rPr lang="es-ES" dirty="0"/>
-              <a:t>Objetivos Módulo 4</a:t>
-            </a:r>
-          </a:p>
-        </p:txBody>
-      </p:sp>
-      <p:sp>
-        <p:nvSpPr>
-          <p:cNvPr id="3" name="Marcador de contenido 2"/>
-          <p:cNvSpPr>
-            <a:spLocks noGrp="1"/>
-          </p:cNvSpPr>
-          <p:nvPr>
-            <p:ph idx="1"/>
-          </p:nvPr>
-        </p:nvSpPr>
-        <p:spPr/>
-        <p:txBody>
-          <a:bodyPr/>
-          <a:lstStyle/>
-          <a:p>
-            <a:r>
-              <a:rPr lang="es-ES" dirty="0"/>
-              <a:t>Definir qué es el clustering no-supervisado</a:t>
-            </a:r>
-          </a:p>
-          <a:p>
-            <a:r>
-              <a:rPr lang="es-ES" dirty="0"/>
-              <a:t>Ver los algoritmos más comunes</a:t>
-            </a:r>
-          </a:p>
-          <a:p>
-            <a:r>
-              <a:rPr lang="es-ES" dirty="0"/>
-              <a:t>Identificar posibles aplicaciones: Identificación de outliers</a:t>
-            </a:r>
-          </a:p>
-          <a:p>
-            <a:r>
-              <a:rPr lang="es-ES" dirty="0"/>
-              <a:t>Estudiar la validación de clústeres no supervisados</a:t>
-            </a:r>
-          </a:p>
-          <a:p>
-            <a:r>
-              <a:rPr lang="es-ES" dirty="0"/>
-              <a:t>Definir qué son los métodos de imputación</a:t>
-            </a:r>
-          </a:p>
-          <a:p>
-            <a:endParaRPr lang="es-ES" dirty="0"/>
-          </a:p>
-          <a:p>
-            <a:endParaRPr lang="es-ES" dirty="0"/>
-          </a:p>
-          <a:p>
-            <a:endParaRPr lang="es-ES" dirty="0"/>
-          </a:p>
-          <a:p>
-            <a:endParaRPr lang="es-ES" dirty="0"/>
-          </a:p>
-        </p:txBody>
-      </p:sp>
-      <p:pic>
-        <p:nvPicPr>
-          <p:cNvPr id="2052" name="Picture 4" descr="Objetivos de la comunicación en publicidad - Gestion.Org"/>
-          <p:cNvPicPr>
-            <a:picLocks noChangeAspect="1" noChangeArrowheads="1"/>
-          </p:cNvPicPr>
-          <p:nvPr/>
-        </p:nvPicPr>
-        <p:blipFill>
-          <a:blip r:embed="rId2">
+          <p:cNvPr id="3" name="Content Placeholder 2">
             <a:extLst>
-              <a:ext uri="{28A0092B-C50C-407E-A947-70E740481C1C}">
-                <a14:useLocalDpi xmlns:a14="http://schemas.microsoft.com/office/drawing/2010/main" val="0"/>
+              <a:ext uri="{FF2B5EF4-FFF2-40B4-BE49-F238E27FC236}">
+                <a16:creationId xmlns:a16="http://schemas.microsoft.com/office/drawing/2014/main" id="{0B271636-AD7D-40A9-B0C5-6E36E0585951}"/>
               </a:ext>
             </a:extLst>
-          </a:blip>
-          <a:srcRect/>
-          <a:stretch>
-            <a:fillRect/>
-          </a:stretch>
-        </p:blipFill>
-        <p:spPr bwMode="auto">
+          </p:cNvPr>
+          <p:cNvSpPr>
+            <a:spLocks noGrp="1"/>
+          </p:cNvSpPr>
+          <p:nvPr>
+            <p:ph idx="1"/>
+          </p:nvPr>
+        </p:nvSpPr>
+        <p:spPr/>
+        <p:txBody>
+          <a:bodyPr/>
+          <a:lstStyle/>
+          <a:p>
+            <a:r>
+              <a:rPr lang="es-ES" dirty="0"/>
+              <a:t>“</a:t>
+            </a:r>
+            <a:r>
+              <a:rPr lang="es-ES" i="0" dirty="0">
+                <a:solidFill>
+                  <a:srgbClr val="2C2C2C"/>
+                </a:solidFill>
+                <a:effectLst/>
+              </a:rPr>
+              <a:t>El </a:t>
+            </a:r>
+            <a:r>
+              <a:rPr lang="es-ES" i="1" dirty="0">
+                <a:solidFill>
+                  <a:srgbClr val="2C2C2C"/>
+                </a:solidFill>
+                <a:effectLst/>
+              </a:rPr>
+              <a:t>Machine Learning</a:t>
+            </a:r>
+            <a:r>
+              <a:rPr lang="es-ES" i="0" dirty="0">
+                <a:solidFill>
+                  <a:srgbClr val="2C2C2C"/>
+                </a:solidFill>
+                <a:effectLst/>
+              </a:rPr>
+              <a:t> es una disciplina del campo de la </a:t>
+            </a:r>
+            <a:r>
+              <a:rPr lang="es-ES" i="0" u="none" strike="noStrike" dirty="0">
+                <a:solidFill>
+                  <a:srgbClr val="0D7CBF"/>
+                </a:solidFill>
+                <a:effectLst/>
+                <a:hlinkClick r:id="rId2"/>
+              </a:rPr>
+              <a:t>Inteligencia Artificial</a:t>
+            </a:r>
+            <a:r>
+              <a:rPr lang="es-ES" i="0" dirty="0">
+                <a:solidFill>
+                  <a:srgbClr val="2C2C2C"/>
+                </a:solidFill>
+                <a:effectLst/>
+              </a:rPr>
+              <a:t> que, a través de </a:t>
+            </a:r>
+            <a:r>
+              <a:rPr lang="es-ES" i="0" dirty="0">
+                <a:solidFill>
+                  <a:srgbClr val="CF4900"/>
+                </a:solidFill>
+                <a:effectLst/>
+              </a:rPr>
+              <a:t>algoritmos,</a:t>
+            </a:r>
+            <a:r>
+              <a:rPr lang="es-ES" i="0" dirty="0">
+                <a:solidFill>
+                  <a:srgbClr val="2C2C2C"/>
+                </a:solidFill>
+                <a:effectLst/>
+              </a:rPr>
+              <a:t> dota a los ordenadores de la capacidad de identificar patrones en datos masivos y elaborar predicciones (</a:t>
+            </a:r>
+            <a:r>
+              <a:rPr lang="es-ES" i="0" u="none" strike="noStrike" dirty="0">
+                <a:solidFill>
+                  <a:srgbClr val="0D7CBF"/>
+                </a:solidFill>
+                <a:effectLst/>
+                <a:hlinkClick r:id="rId3"/>
+              </a:rPr>
+              <a:t>análisis predictivo</a:t>
+            </a:r>
+            <a:r>
+              <a:rPr lang="es-ES" i="0" dirty="0">
+                <a:solidFill>
+                  <a:srgbClr val="2C2C2C"/>
+                </a:solidFill>
+                <a:effectLst/>
+              </a:rPr>
+              <a:t>)”</a:t>
+            </a:r>
+          </a:p>
+          <a:p>
+            <a:pPr marL="0" indent="0">
+              <a:buNone/>
+            </a:pPr>
+            <a:r>
+              <a:rPr lang="es-ES" dirty="0">
+                <a:solidFill>
+                  <a:srgbClr val="2C2C2C"/>
+                </a:solidFill>
+              </a:rPr>
+              <a:t>Fuente: Iberdrola: </a:t>
+            </a:r>
+            <a:r>
+              <a:rPr lang="es-ES" sz="1600" dirty="0">
+                <a:solidFill>
+                  <a:srgbClr val="2C2C2C"/>
+                </a:solidFill>
+                <a:hlinkClick r:id="rId4"/>
+              </a:rPr>
+              <a:t>https://www.iberdrola.com/</a:t>
+            </a:r>
+            <a:r>
+              <a:rPr lang="es-ES" sz="1600" dirty="0" err="1">
+                <a:solidFill>
+                  <a:srgbClr val="2C2C2C"/>
+                </a:solidFill>
+                <a:hlinkClick r:id="rId4"/>
+              </a:rPr>
+              <a:t>innovacion</a:t>
+            </a:r>
+            <a:r>
+              <a:rPr lang="es-ES" sz="1600" dirty="0">
+                <a:solidFill>
+                  <a:srgbClr val="2C2C2C"/>
+                </a:solidFill>
+                <a:hlinkClick r:id="rId4"/>
+              </a:rPr>
+              <a:t>/machine-learning-aprendizaje-automático</a:t>
+            </a:r>
+            <a:r>
+              <a:rPr lang="es-ES" sz="1600" dirty="0">
+                <a:solidFill>
+                  <a:srgbClr val="2C2C2C"/>
+                </a:solidFill>
+              </a:rPr>
+              <a:t> </a:t>
+            </a:r>
+            <a:endParaRPr lang="es-ES" dirty="0"/>
+          </a:p>
+        </p:txBody>
+      </p:sp>
+      <p:sp>
+        <p:nvSpPr>
+          <p:cNvPr id="4" name="Título 1">
+            <a:extLst>
+              <a:ext uri="{FF2B5EF4-FFF2-40B4-BE49-F238E27FC236}">
+                <a16:creationId xmlns:a16="http://schemas.microsoft.com/office/drawing/2014/main" id="{8A069EF8-271E-48B3-8A0C-080D9CB06CDD}"/>
+              </a:ext>
+            </a:extLst>
+          </p:cNvPr>
+          <p:cNvSpPr>
+            <a:spLocks noGrp="1"/>
+          </p:cNvSpPr>
+          <p:nvPr>
+            <p:ph type="title"/>
+          </p:nvPr>
+        </p:nvSpPr>
+        <p:spPr>
           <a:xfrm>
-            <a:off x="8147141" y="3632194"/>
-            <a:ext cx="3324225" cy="2952751"/>
+            <a:off x="838200" y="365125"/>
+            <a:ext cx="10515600" cy="1325563"/>
           </a:xfrm>
-          <a:prstGeom prst="rect">
-            <a:avLst/>
-          </a:prstGeom>
-          <a:noFill/>
-          <a:extLst>
-            <a:ext uri="{909E8E84-426E-40DD-AFC4-6F175D3DCCD1}">
-              <a14:hiddenFill xmlns:a14="http://schemas.microsoft.com/office/drawing/2010/main">
-                <a:solidFill>
-                  <a:srgbClr val="FFFFFF"/>
-                </a:solidFill>
-              </a14:hiddenFill>
-            </a:ext>
-          </a:extLst>
         </p:spPr>
-      </p:pic>
+        <p:txBody>
+          <a:bodyPr/>
+          <a:lstStyle/>
+          <a:p>
+            <a:r>
+              <a:rPr lang="es-ES" dirty="0"/>
+              <a:t>Introducción </a:t>
+            </a:r>
+          </a:p>
+        </p:txBody>
+      </p:sp>
     </p:spTree>
     <p:extLst>
       <p:ext uri="{BB962C8B-B14F-4D97-AF65-F5344CB8AC3E}">
-        <p14:creationId xmlns:p14="http://schemas.microsoft.com/office/powerpoint/2010/main" val="300207621"/>
+        <p14:creationId xmlns:p14="http://schemas.microsoft.com/office/powerpoint/2010/main" val="1808727453"/>
       </p:ext>
     </p:extLst>
   </p:cSld>
@@ -16763,7 +16790,7 @@
           <a:p>
             <a:r>
               <a:rPr lang="es-ES" sz="4800" b="1" u="sng" dirty="0"/>
-              <a:t>Módulo 4: Modelos de clasificación y segmentación no-supervisada</a:t>
+              <a:t>Módulo 4: Modelos de Segmentación No-Supervisada</a:t>
             </a:r>
             <a:endParaRPr lang="es-ES" sz="4800" dirty="0"/>
           </a:p>
@@ -17011,13 +17038,29 @@
       </p:grpSpPr>
       <p:sp>
         <p:nvSpPr>
-          <p:cNvPr id="3" name="Content Placeholder 2">
-            <a:extLst>
-              <a:ext uri="{FF2B5EF4-FFF2-40B4-BE49-F238E27FC236}">
-                <a16:creationId xmlns:a16="http://schemas.microsoft.com/office/drawing/2014/main" id="{7DF18251-5429-4362-85E0-B1E46ADC4890}"/>
-              </a:ext>
-            </a:extLst>
-          </p:cNvPr>
+          <p:cNvPr id="2" name="Título 1"/>
+          <p:cNvSpPr>
+            <a:spLocks noGrp="1"/>
+          </p:cNvSpPr>
+          <p:nvPr>
+            <p:ph type="title"/>
+          </p:nvPr>
+        </p:nvSpPr>
+        <p:spPr/>
+        <p:txBody>
+          <a:bodyPr/>
+          <a:lstStyle/>
+          <a:p>
+            <a:r>
+              <a:rPr lang="es-ES" dirty="0"/>
+              <a:t>Objetivos Sesión 4</a:t>
+            </a:r>
+          </a:p>
+        </p:txBody>
+      </p:sp>
+      <p:sp>
+        <p:nvSpPr>
+          <p:cNvPr id="3" name="Marcador de contenido 2"/>
           <p:cNvSpPr>
             <a:spLocks noGrp="1"/>
           </p:cNvSpPr>
@@ -17032,62 +17075,50 @@
           <a:p>
             <a:r>
               <a:rPr lang="es-ES" dirty="0"/>
-              <a:t>Modelos de aprendizaje automático</a:t>
+              <a:t>Definir qué es el clustering no-supervisado</a:t>
             </a:r>
           </a:p>
           <a:p>
             <a:r>
               <a:rPr lang="es-ES" dirty="0"/>
-              <a:t>Modelos matemáticos que se alimentan de datos para “aprender” el comportamiento de las variables objetivo</a:t>
+              <a:t>Ver los algoritmos más comunes</a:t>
+            </a:r>
+          </a:p>
+          <a:p>
+            <a:r>
+              <a:rPr lang="es-ES" dirty="0"/>
+              <a:t>Identificar posibles aplicaciones: Identificación de outliers</a:t>
+            </a:r>
+          </a:p>
+          <a:p>
+            <a:r>
+              <a:rPr lang="es-ES" dirty="0"/>
+              <a:t>Estudiar la validación de clústeres no supervisados</a:t>
+            </a:r>
+          </a:p>
+          <a:p>
+            <a:r>
+              <a:rPr lang="es-ES" dirty="0"/>
+              <a:t>Definir qué son los métodos de imputación</a:t>
             </a:r>
           </a:p>
           <a:p>
             <a:endParaRPr lang="es-ES" dirty="0"/>
           </a:p>
-        </p:txBody>
-      </p:sp>
-      <p:sp>
-        <p:nvSpPr>
-          <p:cNvPr id="4" name="Título 1">
-            <a:extLst>
-              <a:ext uri="{FF2B5EF4-FFF2-40B4-BE49-F238E27FC236}">
-                <a16:creationId xmlns:a16="http://schemas.microsoft.com/office/drawing/2014/main" id="{516D2DB9-337E-48B3-A910-7FDE706EAF15}"/>
-              </a:ext>
-            </a:extLst>
-          </p:cNvPr>
-          <p:cNvSpPr>
-            <a:spLocks noGrp="1"/>
-          </p:cNvSpPr>
-          <p:nvPr>
-            <p:ph type="title"/>
-          </p:nvPr>
-        </p:nvSpPr>
-        <p:spPr>
-          <a:xfrm>
-            <a:off x="838200" y="365125"/>
-            <a:ext cx="10515600" cy="1325563"/>
-          </a:xfrm>
-        </p:spPr>
-        <p:txBody>
-          <a:bodyPr/>
-          <a:lstStyle/>
-          <a:p>
-            <a:r>
-              <a:rPr lang="es-ES" dirty="0"/>
-              <a:t>Introducción </a:t>
-            </a:r>
+          <a:p>
+            <a:endParaRPr lang="es-ES" dirty="0"/>
+          </a:p>
+          <a:p>
+            <a:endParaRPr lang="es-ES" dirty="0"/>
+          </a:p>
+          <a:p>
+            <a:endParaRPr lang="es-ES" dirty="0"/>
           </a:p>
         </p:txBody>
       </p:sp>
       <p:pic>
         <p:nvPicPr>
-          <p:cNvPr id="2050" name="Picture 2" descr="Que es el Machine Learning ? Te lo contamos todo | Marketing Digital">
-            <a:extLst>
-              <a:ext uri="{FF2B5EF4-FFF2-40B4-BE49-F238E27FC236}">
-                <a16:creationId xmlns:a16="http://schemas.microsoft.com/office/drawing/2014/main" id="{1FF11C5D-A6B1-4DC1-84EC-A38C94A566B2}"/>
-              </a:ext>
-            </a:extLst>
-          </p:cNvPr>
+          <p:cNvPr id="2052" name="Picture 4" descr="Objetivos de la comunicación en publicidad - Gestion.Org"/>
           <p:cNvPicPr>
             <a:picLocks noChangeAspect="1" noChangeArrowheads="1"/>
           </p:cNvPicPr>
@@ -17108,8 +17139,8 @@
         </p:blipFill>
         <p:spPr bwMode="auto">
           <a:xfrm>
-            <a:off x="3121891" y="3497262"/>
-            <a:ext cx="7416800" cy="3360738"/>
+            <a:off x="8147141" y="3632194"/>
+            <a:ext cx="3324225" cy="2952751"/>
           </a:xfrm>
           <a:prstGeom prst="rect">
             <a:avLst/>
@@ -17129,7 +17160,7 @@
     </p:spTree>
     <p:extLst>
       <p:ext uri="{BB962C8B-B14F-4D97-AF65-F5344CB8AC3E}">
-        <p14:creationId xmlns:p14="http://schemas.microsoft.com/office/powerpoint/2010/main" val="2189653242"/>
+        <p14:creationId xmlns:p14="http://schemas.microsoft.com/office/powerpoint/2010/main" val="300207621"/>
       </p:ext>
     </p:extLst>
   </p:cSld>
